--- a/FinalProjectPresentation.pptx
+++ b/FinalProjectPresentation.pptx
@@ -6,6 +6,13 @@
   </p:sldMasterIdLst>
   <p:sldIdLst>
     <p:sldId id="256" r:id="rId2"/>
+    <p:sldId id="257" r:id="rId3"/>
+    <p:sldId id="258" r:id="rId4"/>
+    <p:sldId id="259" r:id="rId5"/>
+    <p:sldId id="260" r:id="rId6"/>
+    <p:sldId id="261" r:id="rId7"/>
+    <p:sldId id="262" r:id="rId8"/>
+    <p:sldId id="263" r:id="rId9"/>
   </p:sldIdLst>
   <p:sldSz cx="12192000" cy="6858000"/>
   <p:notesSz cx="6858000" cy="9144000"/>
@@ -104,6 +111,11 @@
       </a:defRPr>
     </a:lvl9pPr>
   </p:defaultTextStyle>
+  <p:extLst>
+    <p:ext uri="{EFAFB233-063F-42B5-8137-9DF3F51BA10A}">
+      <p15:sldGuideLst xmlns:p15="http://schemas.microsoft.com/office/powerpoint/2012/main"/>
+    </p:ext>
+  </p:extLst>
 </p:presentation>
 </file>
 
@@ -254,7 +266,7 @@
           <a:p>
             <a:fld id="{6C6EBA14-952E-4128-A31E-D639CE42568E}" type="datetimeFigureOut">
               <a:rPr lang="en-US" smtClean="0"/>
-              <a:t>8/9/2025</a:t>
+              <a:t>8/10/2025</a:t>
             </a:fld>
             <a:endParaRPr lang="en-US"/>
           </a:p>
@@ -452,7 +464,7 @@
           <a:p>
             <a:fld id="{6C6EBA14-952E-4128-A31E-D639CE42568E}" type="datetimeFigureOut">
               <a:rPr lang="en-US" smtClean="0"/>
-              <a:t>8/9/2025</a:t>
+              <a:t>8/10/2025</a:t>
             </a:fld>
             <a:endParaRPr lang="en-US"/>
           </a:p>
@@ -660,7 +672,7 @@
           <a:p>
             <a:fld id="{6C6EBA14-952E-4128-A31E-D639CE42568E}" type="datetimeFigureOut">
               <a:rPr lang="en-US" smtClean="0"/>
-              <a:t>8/9/2025</a:t>
+              <a:t>8/10/2025</a:t>
             </a:fld>
             <a:endParaRPr lang="en-US"/>
           </a:p>
@@ -858,7 +870,7 @@
           <a:p>
             <a:fld id="{6C6EBA14-952E-4128-A31E-D639CE42568E}" type="datetimeFigureOut">
               <a:rPr lang="en-US" smtClean="0"/>
-              <a:t>8/9/2025</a:t>
+              <a:t>8/10/2025</a:t>
             </a:fld>
             <a:endParaRPr lang="en-US"/>
           </a:p>
@@ -1133,7 +1145,7 @@
           <a:p>
             <a:fld id="{6C6EBA14-952E-4128-A31E-D639CE42568E}" type="datetimeFigureOut">
               <a:rPr lang="en-US" smtClean="0"/>
-              <a:t>8/9/2025</a:t>
+              <a:t>8/10/2025</a:t>
             </a:fld>
             <a:endParaRPr lang="en-US"/>
           </a:p>
@@ -1398,7 +1410,7 @@
           <a:p>
             <a:fld id="{6C6EBA14-952E-4128-A31E-D639CE42568E}" type="datetimeFigureOut">
               <a:rPr lang="en-US" smtClean="0"/>
-              <a:t>8/9/2025</a:t>
+              <a:t>8/10/2025</a:t>
             </a:fld>
             <a:endParaRPr lang="en-US"/>
           </a:p>
@@ -1810,7 +1822,7 @@
           <a:p>
             <a:fld id="{6C6EBA14-952E-4128-A31E-D639CE42568E}" type="datetimeFigureOut">
               <a:rPr lang="en-US" smtClean="0"/>
-              <a:t>8/9/2025</a:t>
+              <a:t>8/10/2025</a:t>
             </a:fld>
             <a:endParaRPr lang="en-US"/>
           </a:p>
@@ -1951,7 +1963,7 @@
           <a:p>
             <a:fld id="{6C6EBA14-952E-4128-A31E-D639CE42568E}" type="datetimeFigureOut">
               <a:rPr lang="en-US" smtClean="0"/>
-              <a:t>8/9/2025</a:t>
+              <a:t>8/10/2025</a:t>
             </a:fld>
             <a:endParaRPr lang="en-US"/>
           </a:p>
@@ -2064,7 +2076,7 @@
           <a:p>
             <a:fld id="{6C6EBA14-952E-4128-A31E-D639CE42568E}" type="datetimeFigureOut">
               <a:rPr lang="en-US" smtClean="0"/>
-              <a:t>8/9/2025</a:t>
+              <a:t>8/10/2025</a:t>
             </a:fld>
             <a:endParaRPr lang="en-US"/>
           </a:p>
@@ -2375,7 +2387,7 @@
           <a:p>
             <a:fld id="{6C6EBA14-952E-4128-A31E-D639CE42568E}" type="datetimeFigureOut">
               <a:rPr lang="en-US" smtClean="0"/>
-              <a:t>8/9/2025</a:t>
+              <a:t>8/10/2025</a:t>
             </a:fld>
             <a:endParaRPr lang="en-US"/>
           </a:p>
@@ -2663,7 +2675,7 @@
           <a:p>
             <a:fld id="{6C6EBA14-952E-4128-A31E-D639CE42568E}" type="datetimeFigureOut">
               <a:rPr lang="en-US" smtClean="0"/>
-              <a:t>8/9/2025</a:t>
+              <a:t>8/10/2025</a:t>
             </a:fld>
             <a:endParaRPr lang="en-US"/>
           </a:p>
@@ -2904,7 +2916,7 @@
           <a:p>
             <a:fld id="{6C6EBA14-952E-4128-A31E-D639CE42568E}" type="datetimeFigureOut">
               <a:rPr lang="en-US" smtClean="0"/>
-              <a:t>8/9/2025</a:t>
+              <a:t>8/10/2025</a:t>
             </a:fld>
             <a:endParaRPr lang="en-US"/>
           </a:p>
@@ -3342,7 +3354,10 @@
           <a:bodyPr/>
           <a:lstStyle/>
           <a:p>
-            <a:endParaRPr lang="en-US"/>
+            <a:r>
+              <a:rPr lang="en-US" dirty="0"/>
+              <a:t>Optimization Technique and Implementation</a:t>
+            </a:r>
           </a:p>
         </p:txBody>
       </p:sp>
@@ -3362,12 +3377,52 @@
             <p:ph type="subTitle" idx="1"/>
           </p:nvPr>
         </p:nvSpPr>
-        <p:spPr/>
-        <p:txBody>
-          <a:bodyPr/>
-          <a:lstStyle/>
-          <a:p>
-            <a:endParaRPr lang="en-US"/>
+        <p:spPr>
+          <a:xfrm>
+            <a:off x="1523999" y="3602037"/>
+            <a:ext cx="10086753" cy="3085841"/>
+          </a:xfrm>
+        </p:spPr>
+        <p:txBody>
+          <a:bodyPr>
+            <a:normAutofit/>
+          </a:bodyPr>
+          <a:lstStyle/>
+          <a:p>
+            <a:r>
+              <a:rPr lang="en-US" dirty="0"/>
+              <a:t>University of the Cumberlands</a:t>
+            </a:r>
+          </a:p>
+          <a:p>
+            <a:r>
+              <a:rPr lang="en-US" dirty="0"/>
+              <a:t>MSCS-532-M20: Algorithms and Data Structure</a:t>
+            </a:r>
+          </a:p>
+          <a:p>
+            <a:r>
+              <a:rPr lang="en-US" dirty="0"/>
+              <a:t>Professor Brando Bass</a:t>
+            </a:r>
+          </a:p>
+          <a:p>
+            <a:r>
+              <a:rPr lang="en-US" dirty="0"/>
+              <a:t>Student: Suresh Ghimire</a:t>
+            </a:r>
+          </a:p>
+          <a:p>
+            <a:r>
+              <a:rPr lang="en-US" dirty="0"/>
+              <a:t>UC ID:  005038288 </a:t>
+            </a:r>
+          </a:p>
+          <a:p>
+            <a:r>
+              <a:rPr lang="en-US" dirty="0"/>
+              <a:t>August 10, 2025</a:t>
+            </a:r>
           </a:p>
         </p:txBody>
       </p:sp>
@@ -3375,6 +3430,850 @@
     <p:extLst>
       <p:ext uri="{BB962C8B-B14F-4D97-AF65-F5344CB8AC3E}">
         <p14:creationId xmlns:p14="http://schemas.microsoft.com/office/powerpoint/2010/main" val="2388092855"/>
+      </p:ext>
+    </p:extLst>
+  </p:cSld>
+  <p:clrMapOvr>
+    <a:masterClrMapping/>
+  </p:clrMapOvr>
+</p:sld>
+</file>
+
+<file path=ppt/slides/slide2.xml><?xml version="1.0" encoding="utf-8"?>
+<p:sld xmlns:a="http://schemas.openxmlformats.org/drawingml/2006/main" xmlns:r="http://schemas.openxmlformats.org/officeDocument/2006/relationships" xmlns:p="http://schemas.openxmlformats.org/presentationml/2006/main">
+  <p:cSld>
+    <p:spTree>
+      <p:nvGrpSpPr>
+        <p:cNvPr id="1" name=""/>
+        <p:cNvGrpSpPr/>
+        <p:nvPr/>
+      </p:nvGrpSpPr>
+      <p:grpSpPr>
+        <a:xfrm>
+          <a:off x="0" y="0"/>
+          <a:ext cx="0" cy="0"/>
+          <a:chOff x="0" y="0"/>
+          <a:chExt cx="0" cy="0"/>
+        </a:xfrm>
+      </p:grpSpPr>
+      <p:sp>
+        <p:nvSpPr>
+          <p:cNvPr id="2" name="Title 1">
+            <a:extLst>
+              <a:ext uri="{FF2B5EF4-FFF2-40B4-BE49-F238E27FC236}">
+                <a16:creationId xmlns:a16="http://schemas.microsoft.com/office/drawing/2014/main" id="{CBD9EB8A-2E97-C490-9D35-45097B7EA2DD}"/>
+              </a:ext>
+            </a:extLst>
+          </p:cNvPr>
+          <p:cNvSpPr>
+            <a:spLocks noGrp="1"/>
+          </p:cNvSpPr>
+          <p:nvPr>
+            <p:ph type="title"/>
+          </p:nvPr>
+        </p:nvSpPr>
+        <p:spPr/>
+        <p:txBody>
+          <a:bodyPr/>
+          <a:lstStyle/>
+          <a:p>
+            <a:r>
+              <a:rPr lang="en-US" dirty="0"/>
+              <a:t>Introduction	</a:t>
+            </a:r>
+          </a:p>
+        </p:txBody>
+      </p:sp>
+      <p:sp>
+        <p:nvSpPr>
+          <p:cNvPr id="3" name="Content Placeholder 2">
+            <a:extLst>
+              <a:ext uri="{FF2B5EF4-FFF2-40B4-BE49-F238E27FC236}">
+                <a16:creationId xmlns:a16="http://schemas.microsoft.com/office/drawing/2014/main" id="{DE7856A6-591F-765C-FB7F-09B99FF0A11A}"/>
+              </a:ext>
+            </a:extLst>
+          </p:cNvPr>
+          <p:cNvSpPr>
+            <a:spLocks noGrp="1"/>
+          </p:cNvSpPr>
+          <p:nvPr>
+            <p:ph idx="1"/>
+          </p:nvPr>
+        </p:nvSpPr>
+        <p:spPr/>
+        <p:txBody>
+          <a:bodyPr/>
+          <a:lstStyle/>
+          <a:p>
+            <a:r>
+              <a:rPr lang="en-US" dirty="0"/>
+              <a:t>High-Performance Computing (HPC) relies on optimized algorithms and data structures.</a:t>
+            </a:r>
+          </a:p>
+          <a:p>
+            <a:r>
+              <a:rPr lang="en-US" dirty="0"/>
+              <a:t>Parallelism is key, but memory hierarchy efficiency is equally important</a:t>
+            </a:r>
+          </a:p>
+          <a:p>
+            <a:r>
+              <a:rPr lang="en-US" dirty="0"/>
+              <a:t>This project focuses on data structure optimization for improved data locality.</a:t>
+            </a:r>
+          </a:p>
+          <a:p>
+            <a:r>
+              <a:rPr lang="en-US" dirty="0"/>
+              <a:t>Goal: Replace pointer-based structures with contiguous arrays, vectorization, and pre-allocation.</a:t>
+            </a:r>
+          </a:p>
+          <a:p>
+            <a:r>
+              <a:rPr lang="en-US" dirty="0"/>
+              <a:t>Objective: Quantify benefits via controlled experiments.</a:t>
+            </a:r>
+          </a:p>
+          <a:p>
+            <a:endParaRPr lang="en-US" dirty="0"/>
+          </a:p>
+        </p:txBody>
+      </p:sp>
+    </p:spTree>
+    <p:extLst>
+      <p:ext uri="{BB962C8B-B14F-4D97-AF65-F5344CB8AC3E}">
+        <p14:creationId xmlns:p14="http://schemas.microsoft.com/office/powerpoint/2010/main" val="2513025906"/>
+      </p:ext>
+    </p:extLst>
+  </p:cSld>
+  <p:clrMapOvr>
+    <a:masterClrMapping/>
+  </p:clrMapOvr>
+</p:sld>
+</file>
+
+<file path=ppt/slides/slide3.xml><?xml version="1.0" encoding="utf-8"?>
+<p:sld xmlns:a="http://schemas.openxmlformats.org/drawingml/2006/main" xmlns:r="http://schemas.openxmlformats.org/officeDocument/2006/relationships" xmlns:p="http://schemas.openxmlformats.org/presentationml/2006/main">
+  <p:cSld>
+    <p:spTree>
+      <p:nvGrpSpPr>
+        <p:cNvPr id="1" name=""/>
+        <p:cNvGrpSpPr/>
+        <p:nvPr/>
+      </p:nvGrpSpPr>
+      <p:grpSpPr>
+        <a:xfrm>
+          <a:off x="0" y="0"/>
+          <a:ext cx="0" cy="0"/>
+          <a:chOff x="0" y="0"/>
+          <a:chExt cx="0" cy="0"/>
+        </a:xfrm>
+      </p:grpSpPr>
+      <p:sp>
+        <p:nvSpPr>
+          <p:cNvPr id="2" name="Title 1">
+            <a:extLst>
+              <a:ext uri="{FF2B5EF4-FFF2-40B4-BE49-F238E27FC236}">
+                <a16:creationId xmlns:a16="http://schemas.microsoft.com/office/drawing/2014/main" id="{272299D1-1B21-68E2-6A99-F3360C45C288}"/>
+              </a:ext>
+            </a:extLst>
+          </p:cNvPr>
+          <p:cNvSpPr>
+            <a:spLocks noGrp="1"/>
+          </p:cNvSpPr>
+          <p:nvPr>
+            <p:ph type="title"/>
+          </p:nvPr>
+        </p:nvSpPr>
+        <p:spPr/>
+        <p:txBody>
+          <a:bodyPr/>
+          <a:lstStyle/>
+          <a:p>
+            <a:r>
+              <a:rPr lang="en-US" dirty="0"/>
+              <a:t>Background</a:t>
+            </a:r>
+          </a:p>
+        </p:txBody>
+      </p:sp>
+      <p:sp>
+        <p:nvSpPr>
+          <p:cNvPr id="3" name="Content Placeholder 2">
+            <a:extLst>
+              <a:ext uri="{FF2B5EF4-FFF2-40B4-BE49-F238E27FC236}">
+                <a16:creationId xmlns:a16="http://schemas.microsoft.com/office/drawing/2014/main" id="{59BB37CC-EE05-C05C-C6BD-53457ED86DE7}"/>
+              </a:ext>
+            </a:extLst>
+          </p:cNvPr>
+          <p:cNvSpPr>
+            <a:spLocks noGrp="1"/>
+          </p:cNvSpPr>
+          <p:nvPr>
+            <p:ph idx="1"/>
+          </p:nvPr>
+        </p:nvSpPr>
+        <p:spPr/>
+        <p:txBody>
+          <a:bodyPr/>
+          <a:lstStyle/>
+          <a:p>
+            <a:r>
+              <a:rPr lang="en-US" dirty="0"/>
+              <a:t>Empirical studies show data structure optimization and memory access reordering improve performance.</a:t>
+            </a:r>
+          </a:p>
+          <a:p>
+            <a:r>
+              <a:rPr lang="en-US" dirty="0"/>
+              <a:t>Replacing fragmented memory with contiguous arrays enhances cache utilization.</a:t>
+            </a:r>
+          </a:p>
+          <a:p>
+            <a:r>
+              <a:rPr lang="en-US" dirty="0"/>
+              <a:t>Better spatial and temporal locality reduces TLB misses.</a:t>
+            </a:r>
+          </a:p>
+          <a:p>
+            <a:r>
+              <a:rPr lang="en-US" dirty="0"/>
+              <a:t>Vectorization and SIMD-friendly layouts boost throughput.</a:t>
+            </a:r>
+          </a:p>
+          <a:p>
+            <a:r>
+              <a:rPr lang="en-US" dirty="0" err="1"/>
+              <a:t>Preallocation</a:t>
+            </a:r>
+            <a:r>
+              <a:rPr lang="en-US" dirty="0"/>
+              <a:t> reduces dynamic allocation overhead.</a:t>
+            </a:r>
+          </a:p>
+        </p:txBody>
+      </p:sp>
+    </p:spTree>
+    <p:extLst>
+      <p:ext uri="{BB962C8B-B14F-4D97-AF65-F5344CB8AC3E}">
+        <p14:creationId xmlns:p14="http://schemas.microsoft.com/office/powerpoint/2010/main" val="3623754645"/>
+      </p:ext>
+    </p:extLst>
+  </p:cSld>
+  <p:clrMapOvr>
+    <a:masterClrMapping/>
+  </p:clrMapOvr>
+</p:sld>
+</file>
+
+<file path=ppt/slides/slide4.xml><?xml version="1.0" encoding="utf-8"?>
+<p:sld xmlns:a="http://schemas.openxmlformats.org/drawingml/2006/main" xmlns:r="http://schemas.openxmlformats.org/officeDocument/2006/relationships" xmlns:p="http://schemas.openxmlformats.org/presentationml/2006/main">
+  <p:cSld>
+    <p:spTree>
+      <p:nvGrpSpPr>
+        <p:cNvPr id="1" name=""/>
+        <p:cNvGrpSpPr/>
+        <p:nvPr/>
+      </p:nvGrpSpPr>
+      <p:grpSpPr>
+        <a:xfrm>
+          <a:off x="0" y="0"/>
+          <a:ext cx="0" cy="0"/>
+          <a:chOff x="0" y="0"/>
+          <a:chExt cx="0" cy="0"/>
+        </a:xfrm>
+      </p:grpSpPr>
+      <p:sp>
+        <p:nvSpPr>
+          <p:cNvPr id="2" name="Title 1">
+            <a:extLst>
+              <a:ext uri="{FF2B5EF4-FFF2-40B4-BE49-F238E27FC236}">
+                <a16:creationId xmlns:a16="http://schemas.microsoft.com/office/drawing/2014/main" id="{6B8BF780-DE07-0810-D6FF-E3CD8EC39C18}"/>
+              </a:ext>
+            </a:extLst>
+          </p:cNvPr>
+          <p:cNvSpPr>
+            <a:spLocks noGrp="1"/>
+          </p:cNvSpPr>
+          <p:nvPr>
+            <p:ph type="title"/>
+          </p:nvPr>
+        </p:nvSpPr>
+        <p:spPr/>
+        <p:txBody>
+          <a:bodyPr/>
+          <a:lstStyle/>
+          <a:p>
+            <a:r>
+              <a:rPr lang="en-US" dirty="0"/>
+              <a:t>Chosen Technique: Data-locality</a:t>
+            </a:r>
+          </a:p>
+        </p:txBody>
+      </p:sp>
+      <p:sp>
+        <p:nvSpPr>
+          <p:cNvPr id="3" name="Content Placeholder 2">
+            <a:extLst>
+              <a:ext uri="{FF2B5EF4-FFF2-40B4-BE49-F238E27FC236}">
+                <a16:creationId xmlns:a16="http://schemas.microsoft.com/office/drawing/2014/main" id="{EFF8902C-382F-301E-63EA-F7B4EC405D37}"/>
+              </a:ext>
+            </a:extLst>
+          </p:cNvPr>
+          <p:cNvSpPr>
+            <a:spLocks noGrp="1"/>
+          </p:cNvSpPr>
+          <p:nvPr>
+            <p:ph idx="1"/>
+          </p:nvPr>
+        </p:nvSpPr>
+        <p:spPr/>
+        <p:txBody>
+          <a:bodyPr/>
+          <a:lstStyle/>
+          <a:p>
+            <a:r>
+              <a:rPr lang="en-US" dirty="0"/>
+              <a:t>Arrange data contiguously in memory to improve locality.</a:t>
+            </a:r>
+          </a:p>
+          <a:p>
+            <a:r>
+              <a:rPr lang="en-US" dirty="0"/>
+              <a:t>Importance: Reduces cache misses and stalls, increasing performance.</a:t>
+            </a:r>
+          </a:p>
+          <a:p>
+            <a:r>
+              <a:rPr lang="en-US" dirty="0"/>
+              <a:t>Evidence: Yoo et al. (2013) demonstrate significant gains.</a:t>
+            </a:r>
+          </a:p>
+          <a:p>
+            <a:r>
+              <a:rPr lang="en-US" dirty="0"/>
+              <a:t>Why chosen:</a:t>
+            </a:r>
+          </a:p>
+          <a:p>
+            <a:pPr lvl="1"/>
+            <a:r>
+              <a:rPr lang="en-US" dirty="0"/>
+              <a:t>High impact in HPC workloads.</a:t>
+            </a:r>
+          </a:p>
+          <a:p>
+            <a:pPr lvl="1"/>
+            <a:r>
+              <a:rPr lang="en-US" dirty="0"/>
+              <a:t> Applicable in Python using NumPy.</a:t>
+            </a:r>
+          </a:p>
+          <a:p>
+            <a:pPr lvl="1"/>
+            <a:r>
+              <a:rPr lang="en-US" dirty="0"/>
+              <a:t> Directly relevant to data structure performance.</a:t>
+            </a:r>
+          </a:p>
+        </p:txBody>
+      </p:sp>
+    </p:spTree>
+    <p:extLst>
+      <p:ext uri="{BB962C8B-B14F-4D97-AF65-F5344CB8AC3E}">
+        <p14:creationId xmlns:p14="http://schemas.microsoft.com/office/powerpoint/2010/main" val="552156409"/>
+      </p:ext>
+    </p:extLst>
+  </p:cSld>
+  <p:clrMapOvr>
+    <a:masterClrMapping/>
+  </p:clrMapOvr>
+</p:sld>
+</file>
+
+<file path=ppt/slides/slide5.xml><?xml version="1.0" encoding="utf-8"?>
+<p:sld xmlns:a="http://schemas.openxmlformats.org/drawingml/2006/main" xmlns:r="http://schemas.openxmlformats.org/officeDocument/2006/relationships" xmlns:p="http://schemas.openxmlformats.org/presentationml/2006/main">
+  <p:cSld>
+    <p:spTree>
+      <p:nvGrpSpPr>
+        <p:cNvPr id="1" name=""/>
+        <p:cNvGrpSpPr/>
+        <p:nvPr/>
+      </p:nvGrpSpPr>
+      <p:grpSpPr>
+        <a:xfrm>
+          <a:off x="0" y="0"/>
+          <a:ext cx="0" cy="0"/>
+          <a:chOff x="0" y="0"/>
+          <a:chExt cx="0" cy="0"/>
+        </a:xfrm>
+      </p:grpSpPr>
+      <p:sp>
+        <p:nvSpPr>
+          <p:cNvPr id="2" name="Title 1">
+            <a:extLst>
+              <a:ext uri="{FF2B5EF4-FFF2-40B4-BE49-F238E27FC236}">
+                <a16:creationId xmlns:a16="http://schemas.microsoft.com/office/drawing/2014/main" id="{F0E119DD-CFDF-209A-ABB9-3B297B39C6BD}"/>
+              </a:ext>
+            </a:extLst>
+          </p:cNvPr>
+          <p:cNvSpPr>
+            <a:spLocks noGrp="1"/>
+          </p:cNvSpPr>
+          <p:nvPr>
+            <p:ph type="title"/>
+          </p:nvPr>
+        </p:nvSpPr>
+        <p:spPr/>
+        <p:txBody>
+          <a:bodyPr/>
+          <a:lstStyle/>
+          <a:p>
+            <a:r>
+              <a:rPr lang="en-US" dirty="0"/>
+              <a:t>Implementation in Python</a:t>
+            </a:r>
+          </a:p>
+        </p:txBody>
+      </p:sp>
+      <p:sp>
+        <p:nvSpPr>
+          <p:cNvPr id="3" name="Content Placeholder 2">
+            <a:extLst>
+              <a:ext uri="{FF2B5EF4-FFF2-40B4-BE49-F238E27FC236}">
+                <a16:creationId xmlns:a16="http://schemas.microsoft.com/office/drawing/2014/main" id="{E1DDBCB1-0678-6D30-0917-D5CEECC312ED}"/>
+              </a:ext>
+            </a:extLst>
+          </p:cNvPr>
+          <p:cNvSpPr>
+            <a:spLocks noGrp="1"/>
+          </p:cNvSpPr>
+          <p:nvPr>
+            <p:ph idx="1"/>
+          </p:nvPr>
+        </p:nvSpPr>
+        <p:spPr/>
+        <p:txBody>
+          <a:bodyPr/>
+          <a:lstStyle/>
+          <a:p>
+            <a:r>
+              <a:rPr lang="en-US" dirty="0"/>
+              <a:t>Replace Python list-of-tuples with NumPy </a:t>
+            </a:r>
+            <a:r>
+              <a:rPr lang="en-US" dirty="0" err="1"/>
+              <a:t>ndarray</a:t>
+            </a:r>
+            <a:r>
+              <a:rPr lang="en-US" dirty="0"/>
+              <a:t> for contiguous storage.</a:t>
+            </a:r>
+          </a:p>
+          <a:p>
+            <a:r>
+              <a:rPr lang="en-US" dirty="0"/>
+              <a:t>Apply vectorization using NumPy broadcasting for bulk operations.</a:t>
+            </a:r>
+          </a:p>
+          <a:p>
+            <a:r>
+              <a:rPr lang="en-US" dirty="0"/>
+              <a:t>Pre-allocate output arrays with </a:t>
+            </a:r>
+            <a:r>
+              <a:rPr lang="en-US" dirty="0" err="1"/>
+              <a:t>np.empty</a:t>
+            </a:r>
+            <a:r>
+              <a:rPr lang="en-US" dirty="0"/>
+              <a:t>() to avoid repeated allocations.</a:t>
+            </a:r>
+          </a:p>
+          <a:p>
+            <a:r>
+              <a:rPr lang="en-US" dirty="0"/>
+              <a:t>These steps improve cache utilization and reduce overhead.</a:t>
+            </a:r>
+          </a:p>
+          <a:p>
+            <a:endParaRPr lang="en-US" dirty="0"/>
+          </a:p>
+        </p:txBody>
+      </p:sp>
+    </p:spTree>
+    <p:extLst>
+      <p:ext uri="{BB962C8B-B14F-4D97-AF65-F5344CB8AC3E}">
+        <p14:creationId xmlns:p14="http://schemas.microsoft.com/office/powerpoint/2010/main" val="1486603994"/>
+      </p:ext>
+    </p:extLst>
+  </p:cSld>
+  <p:clrMapOvr>
+    <a:masterClrMapping/>
+  </p:clrMapOvr>
+</p:sld>
+</file>
+
+<file path=ppt/slides/slide6.xml><?xml version="1.0" encoding="utf-8"?>
+<p:sld xmlns:a="http://schemas.openxmlformats.org/drawingml/2006/main" xmlns:r="http://schemas.openxmlformats.org/officeDocument/2006/relationships" xmlns:p="http://schemas.openxmlformats.org/presentationml/2006/main">
+  <p:cSld>
+    <p:spTree>
+      <p:nvGrpSpPr>
+        <p:cNvPr id="1" name=""/>
+        <p:cNvGrpSpPr/>
+        <p:nvPr/>
+      </p:nvGrpSpPr>
+      <p:grpSpPr>
+        <a:xfrm>
+          <a:off x="0" y="0"/>
+          <a:ext cx="0" cy="0"/>
+          <a:chOff x="0" y="0"/>
+          <a:chExt cx="0" cy="0"/>
+        </a:xfrm>
+      </p:grpSpPr>
+      <p:sp>
+        <p:nvSpPr>
+          <p:cNvPr id="2" name="Title 1">
+            <a:extLst>
+              <a:ext uri="{FF2B5EF4-FFF2-40B4-BE49-F238E27FC236}">
+                <a16:creationId xmlns:a16="http://schemas.microsoft.com/office/drawing/2014/main" id="{62D17202-0104-DBAD-C4FA-D1AF5A416526}"/>
+              </a:ext>
+            </a:extLst>
+          </p:cNvPr>
+          <p:cNvSpPr>
+            <a:spLocks noGrp="1"/>
+          </p:cNvSpPr>
+          <p:nvPr>
+            <p:ph type="title"/>
+          </p:nvPr>
+        </p:nvSpPr>
+        <p:spPr/>
+        <p:txBody>
+          <a:bodyPr/>
+          <a:lstStyle/>
+          <a:p>
+            <a:r>
+              <a:rPr lang="en-US" dirty="0"/>
+              <a:t>Strengths and Weakness</a:t>
+            </a:r>
+          </a:p>
+        </p:txBody>
+      </p:sp>
+      <p:sp>
+        <p:nvSpPr>
+          <p:cNvPr id="3" name="Content Placeholder 2">
+            <a:extLst>
+              <a:ext uri="{FF2B5EF4-FFF2-40B4-BE49-F238E27FC236}">
+                <a16:creationId xmlns:a16="http://schemas.microsoft.com/office/drawing/2014/main" id="{1A4D94D9-3EF2-7168-C9B2-C8B81E83DDB3}"/>
+              </a:ext>
+            </a:extLst>
+          </p:cNvPr>
+          <p:cNvSpPr>
+            <a:spLocks noGrp="1"/>
+          </p:cNvSpPr>
+          <p:nvPr>
+            <p:ph idx="1"/>
+          </p:nvPr>
+        </p:nvSpPr>
+        <p:spPr/>
+        <p:txBody>
+          <a:bodyPr>
+            <a:normAutofit/>
+          </a:bodyPr>
+          <a:lstStyle/>
+          <a:p>
+            <a:r>
+              <a:rPr lang="en-US" dirty="0"/>
+              <a:t>Strengths</a:t>
+            </a:r>
+          </a:p>
+          <a:p>
+            <a:pPr lvl="1"/>
+            <a:r>
+              <a:rPr lang="en-US" dirty="0"/>
+              <a:t>Significant performance gains.</a:t>
+            </a:r>
+          </a:p>
+          <a:p>
+            <a:pPr lvl="1"/>
+            <a:r>
+              <a:rPr lang="en-US" dirty="0"/>
+              <a:t>Reduced memory usage.</a:t>
+            </a:r>
+          </a:p>
+          <a:p>
+            <a:pPr lvl="1"/>
+            <a:r>
+              <a:rPr lang="en-US" dirty="0"/>
+              <a:t>Scales well for large datasets.</a:t>
+            </a:r>
+          </a:p>
+          <a:p>
+            <a:pPr lvl="1"/>
+            <a:r>
+              <a:rPr lang="en-US" dirty="0"/>
+              <a:t>Applicable in multiple languages.</a:t>
+            </a:r>
+          </a:p>
+          <a:p>
+            <a:r>
+              <a:rPr lang="en-US" dirty="0"/>
+              <a:t>Weakness</a:t>
+            </a:r>
+          </a:p>
+          <a:p>
+            <a:pPr lvl="1"/>
+            <a:r>
+              <a:rPr lang="en-US" dirty="0"/>
+              <a:t>Requires numerical library knowledge.</a:t>
+            </a:r>
+          </a:p>
+          <a:p>
+            <a:pPr lvl="1"/>
+            <a:r>
+              <a:rPr lang="en-US" dirty="0"/>
+              <a:t>Best for fixed-size datasets.</a:t>
+            </a:r>
+          </a:p>
+          <a:p>
+            <a:pPr lvl="1"/>
+            <a:r>
+              <a:rPr lang="en-US" dirty="0"/>
+              <a:t>Potential wasted memory if unused pre-allocated space.</a:t>
+            </a:r>
+          </a:p>
+          <a:p>
+            <a:pPr marL="457200" lvl="1" indent="0">
+              <a:buNone/>
+            </a:pPr>
+            <a:endParaRPr lang="en-US" dirty="0"/>
+          </a:p>
+        </p:txBody>
+      </p:sp>
+    </p:spTree>
+    <p:extLst>
+      <p:ext uri="{BB962C8B-B14F-4D97-AF65-F5344CB8AC3E}">
+        <p14:creationId xmlns:p14="http://schemas.microsoft.com/office/powerpoint/2010/main" val="1209697789"/>
+      </p:ext>
+    </p:extLst>
+  </p:cSld>
+  <p:clrMapOvr>
+    <a:masterClrMapping/>
+  </p:clrMapOvr>
+</p:sld>
+</file>
+
+<file path=ppt/slides/slide7.xml><?xml version="1.0" encoding="utf-8"?>
+<p:sld xmlns:a="http://schemas.openxmlformats.org/drawingml/2006/main" xmlns:r="http://schemas.openxmlformats.org/officeDocument/2006/relationships" xmlns:p="http://schemas.openxmlformats.org/presentationml/2006/main">
+  <p:cSld>
+    <p:spTree>
+      <p:nvGrpSpPr>
+        <p:cNvPr id="1" name=""/>
+        <p:cNvGrpSpPr/>
+        <p:nvPr/>
+      </p:nvGrpSpPr>
+      <p:grpSpPr>
+        <a:xfrm>
+          <a:off x="0" y="0"/>
+          <a:ext cx="0" cy="0"/>
+          <a:chOff x="0" y="0"/>
+          <a:chExt cx="0" cy="0"/>
+        </a:xfrm>
+      </p:grpSpPr>
+      <p:sp>
+        <p:nvSpPr>
+          <p:cNvPr id="2" name="Title 1">
+            <a:extLst>
+              <a:ext uri="{FF2B5EF4-FFF2-40B4-BE49-F238E27FC236}">
+                <a16:creationId xmlns:a16="http://schemas.microsoft.com/office/drawing/2014/main" id="{64A0BC98-54EA-C1E7-E44E-3281E9D72EE1}"/>
+              </a:ext>
+            </a:extLst>
+          </p:cNvPr>
+          <p:cNvSpPr>
+            <a:spLocks noGrp="1"/>
+          </p:cNvSpPr>
+          <p:nvPr>
+            <p:ph type="title"/>
+          </p:nvPr>
+        </p:nvSpPr>
+        <p:spPr/>
+        <p:txBody>
+          <a:bodyPr/>
+          <a:lstStyle/>
+          <a:p>
+            <a:r>
+              <a:rPr lang="en-US" dirty="0"/>
+              <a:t>Result and Analysis</a:t>
+            </a:r>
+          </a:p>
+        </p:txBody>
+      </p:sp>
+      <p:sp>
+        <p:nvSpPr>
+          <p:cNvPr id="3" name="Content Placeholder 2">
+            <a:extLst>
+              <a:ext uri="{FF2B5EF4-FFF2-40B4-BE49-F238E27FC236}">
+                <a16:creationId xmlns:a16="http://schemas.microsoft.com/office/drawing/2014/main" id="{83CCC181-8117-8F2B-4AB6-17A6B6EC478E}"/>
+              </a:ext>
+            </a:extLst>
+          </p:cNvPr>
+          <p:cNvSpPr>
+            <a:spLocks noGrp="1"/>
+          </p:cNvSpPr>
+          <p:nvPr>
+            <p:ph idx="1"/>
+          </p:nvPr>
+        </p:nvSpPr>
+        <p:spPr/>
+        <p:txBody>
+          <a:bodyPr/>
+          <a:lstStyle/>
+          <a:p>
+            <a:r>
+              <a:rPr lang="en-US" dirty="0"/>
+              <a:t>Datasets: 200, 400, 600, 800, 1000 points.</a:t>
+            </a:r>
+          </a:p>
+          <a:p>
+            <a:r>
+              <a:rPr lang="en-US" dirty="0"/>
+              <a:t>Optimized approach achieved up to 97x speedup.</a:t>
+            </a:r>
+          </a:p>
+          <a:p>
+            <a:r>
+              <a:rPr lang="en-US" dirty="0"/>
+              <a:t>Memory usage reduced by 20–30%.</a:t>
+            </a:r>
+          </a:p>
+          <a:p>
+            <a:r>
+              <a:rPr lang="en-US" dirty="0"/>
+              <a:t>Performance gap widens with larger datasets.</a:t>
+            </a:r>
+          </a:p>
+          <a:p>
+            <a:r>
+              <a:rPr lang="en-US" dirty="0"/>
+              <a:t>Findings align with Yoo et al. (2013).</a:t>
+            </a:r>
+          </a:p>
+          <a:p>
+            <a:endParaRPr lang="en-US" dirty="0"/>
+          </a:p>
+        </p:txBody>
+      </p:sp>
+    </p:spTree>
+    <p:extLst>
+      <p:ext uri="{BB962C8B-B14F-4D97-AF65-F5344CB8AC3E}">
+        <p14:creationId xmlns:p14="http://schemas.microsoft.com/office/powerpoint/2010/main" val="3853846853"/>
+      </p:ext>
+    </p:extLst>
+  </p:cSld>
+  <p:clrMapOvr>
+    <a:masterClrMapping/>
+  </p:clrMapOvr>
+</p:sld>
+</file>
+
+<file path=ppt/slides/slide8.xml><?xml version="1.0" encoding="utf-8"?>
+<p:sld xmlns:a="http://schemas.openxmlformats.org/drawingml/2006/main" xmlns:r="http://schemas.openxmlformats.org/officeDocument/2006/relationships" xmlns:p="http://schemas.openxmlformats.org/presentationml/2006/main">
+  <p:cSld>
+    <p:spTree>
+      <p:nvGrpSpPr>
+        <p:cNvPr id="1" name=""/>
+        <p:cNvGrpSpPr/>
+        <p:nvPr/>
+      </p:nvGrpSpPr>
+      <p:grpSpPr>
+        <a:xfrm>
+          <a:off x="0" y="0"/>
+          <a:ext cx="0" cy="0"/>
+          <a:chOff x="0" y="0"/>
+          <a:chExt cx="0" cy="0"/>
+        </a:xfrm>
+      </p:grpSpPr>
+      <p:sp>
+        <p:nvSpPr>
+          <p:cNvPr id="2" name="Title 1">
+            <a:extLst>
+              <a:ext uri="{FF2B5EF4-FFF2-40B4-BE49-F238E27FC236}">
+                <a16:creationId xmlns:a16="http://schemas.microsoft.com/office/drawing/2014/main" id="{C9645FF4-2C52-721D-0F74-465810C13643}"/>
+              </a:ext>
+            </a:extLst>
+          </p:cNvPr>
+          <p:cNvSpPr>
+            <a:spLocks noGrp="1"/>
+          </p:cNvSpPr>
+          <p:nvPr>
+            <p:ph type="title"/>
+          </p:nvPr>
+        </p:nvSpPr>
+        <p:spPr/>
+        <p:txBody>
+          <a:bodyPr/>
+          <a:lstStyle/>
+          <a:p>
+            <a:r>
+              <a:rPr lang="en-US" dirty="0"/>
+              <a:t>Conclusion</a:t>
+            </a:r>
+          </a:p>
+        </p:txBody>
+      </p:sp>
+      <p:sp>
+        <p:nvSpPr>
+          <p:cNvPr id="3" name="Content Placeholder 2">
+            <a:extLst>
+              <a:ext uri="{FF2B5EF4-FFF2-40B4-BE49-F238E27FC236}">
+                <a16:creationId xmlns:a16="http://schemas.microsoft.com/office/drawing/2014/main" id="{12474C13-37F4-544F-7420-63E8483BF4D4}"/>
+              </a:ext>
+            </a:extLst>
+          </p:cNvPr>
+          <p:cNvSpPr>
+            <a:spLocks noGrp="1"/>
+          </p:cNvSpPr>
+          <p:nvPr>
+            <p:ph idx="1"/>
+          </p:nvPr>
+        </p:nvSpPr>
+        <p:spPr/>
+        <p:txBody>
+          <a:bodyPr/>
+          <a:lstStyle/>
+          <a:p>
+            <a:r>
+              <a:rPr lang="en-US" dirty="0"/>
+              <a:t>Data structure optimization for improved data locality significantly boosts HPC performance.</a:t>
+            </a:r>
+          </a:p>
+          <a:p>
+            <a:r>
+              <a:rPr lang="en-US" dirty="0"/>
+              <a:t>Python with NumPy can achieve large gains similar to compiled languages.</a:t>
+            </a:r>
+          </a:p>
+          <a:p>
+            <a:r>
+              <a:rPr lang="en-US" dirty="0"/>
+              <a:t>Scalability benefits make it ideal for large-scale scientific computing.</a:t>
+            </a:r>
+          </a:p>
+          <a:p>
+            <a:r>
+              <a:rPr lang="en-US" dirty="0"/>
+              <a:t>Such optimizations can rival hardware upgrades in impact.</a:t>
+            </a:r>
+          </a:p>
+          <a:p>
+            <a:endParaRPr lang="en-US" dirty="0"/>
+          </a:p>
+        </p:txBody>
+      </p:sp>
+    </p:spTree>
+    <p:extLst>
+      <p:ext uri="{BB962C8B-B14F-4D97-AF65-F5344CB8AC3E}">
+        <p14:creationId xmlns:p14="http://schemas.microsoft.com/office/powerpoint/2010/main" val="3109280192"/>
       </p:ext>
     </p:extLst>
   </p:cSld>

--- a/FinalProjectPresentation.pptx
+++ b/FinalProjectPresentation.pptx
@@ -266,7 +266,7 @@
           <a:p>
             <a:fld id="{6C6EBA14-952E-4128-A31E-D639CE42568E}" type="datetimeFigureOut">
               <a:rPr lang="en-US" smtClean="0"/>
-              <a:t>8/10/2025</a:t>
+              <a:t>8/22/2025</a:t>
             </a:fld>
             <a:endParaRPr lang="en-US"/>
           </a:p>
@@ -464,7 +464,7 @@
           <a:p>
             <a:fld id="{6C6EBA14-952E-4128-A31E-D639CE42568E}" type="datetimeFigureOut">
               <a:rPr lang="en-US" smtClean="0"/>
-              <a:t>8/10/2025</a:t>
+              <a:t>8/22/2025</a:t>
             </a:fld>
             <a:endParaRPr lang="en-US"/>
           </a:p>
@@ -672,7 +672,7 @@
           <a:p>
             <a:fld id="{6C6EBA14-952E-4128-A31E-D639CE42568E}" type="datetimeFigureOut">
               <a:rPr lang="en-US" smtClean="0"/>
-              <a:t>8/10/2025</a:t>
+              <a:t>8/22/2025</a:t>
             </a:fld>
             <a:endParaRPr lang="en-US"/>
           </a:p>
@@ -870,7 +870,7 @@
           <a:p>
             <a:fld id="{6C6EBA14-952E-4128-A31E-D639CE42568E}" type="datetimeFigureOut">
               <a:rPr lang="en-US" smtClean="0"/>
-              <a:t>8/10/2025</a:t>
+              <a:t>8/22/2025</a:t>
             </a:fld>
             <a:endParaRPr lang="en-US"/>
           </a:p>
@@ -1145,7 +1145,7 @@
           <a:p>
             <a:fld id="{6C6EBA14-952E-4128-A31E-D639CE42568E}" type="datetimeFigureOut">
               <a:rPr lang="en-US" smtClean="0"/>
-              <a:t>8/10/2025</a:t>
+              <a:t>8/22/2025</a:t>
             </a:fld>
             <a:endParaRPr lang="en-US"/>
           </a:p>
@@ -1410,7 +1410,7 @@
           <a:p>
             <a:fld id="{6C6EBA14-952E-4128-A31E-D639CE42568E}" type="datetimeFigureOut">
               <a:rPr lang="en-US" smtClean="0"/>
-              <a:t>8/10/2025</a:t>
+              <a:t>8/22/2025</a:t>
             </a:fld>
             <a:endParaRPr lang="en-US"/>
           </a:p>
@@ -1822,7 +1822,7 @@
           <a:p>
             <a:fld id="{6C6EBA14-952E-4128-A31E-D639CE42568E}" type="datetimeFigureOut">
               <a:rPr lang="en-US" smtClean="0"/>
-              <a:t>8/10/2025</a:t>
+              <a:t>8/22/2025</a:t>
             </a:fld>
             <a:endParaRPr lang="en-US"/>
           </a:p>
@@ -1963,7 +1963,7 @@
           <a:p>
             <a:fld id="{6C6EBA14-952E-4128-A31E-D639CE42568E}" type="datetimeFigureOut">
               <a:rPr lang="en-US" smtClean="0"/>
-              <a:t>8/10/2025</a:t>
+              <a:t>8/22/2025</a:t>
             </a:fld>
             <a:endParaRPr lang="en-US"/>
           </a:p>
@@ -2076,7 +2076,7 @@
           <a:p>
             <a:fld id="{6C6EBA14-952E-4128-A31E-D639CE42568E}" type="datetimeFigureOut">
               <a:rPr lang="en-US" smtClean="0"/>
-              <a:t>8/10/2025</a:t>
+              <a:t>8/22/2025</a:t>
             </a:fld>
             <a:endParaRPr lang="en-US"/>
           </a:p>
@@ -2387,7 +2387,7 @@
           <a:p>
             <a:fld id="{6C6EBA14-952E-4128-A31E-D639CE42568E}" type="datetimeFigureOut">
               <a:rPr lang="en-US" smtClean="0"/>
-              <a:t>8/10/2025</a:t>
+              <a:t>8/22/2025</a:t>
             </a:fld>
             <a:endParaRPr lang="en-US"/>
           </a:p>
@@ -2675,7 +2675,7 @@
           <a:p>
             <a:fld id="{6C6EBA14-952E-4128-A31E-D639CE42568E}" type="datetimeFigureOut">
               <a:rPr lang="en-US" smtClean="0"/>
-              <a:t>8/10/2025</a:t>
+              <a:t>8/22/2025</a:t>
             </a:fld>
             <a:endParaRPr lang="en-US"/>
           </a:p>
@@ -2916,7 +2916,7 @@
           <a:p>
             <a:fld id="{6C6EBA14-952E-4128-A31E-D639CE42568E}" type="datetimeFigureOut">
               <a:rPr lang="en-US" smtClean="0"/>
-              <a:t>8/10/2025</a:t>
+              <a:t>8/22/2025</a:t>
             </a:fld>
             <a:endParaRPr lang="en-US"/>
           </a:p>
@@ -3420,8 +3420,12 @@
           </a:p>
           <a:p>
             <a:r>
-              <a:rPr lang="en-US" dirty="0"/>
-              <a:t>August 10, 2025</a:t>
+              <a:rPr lang="en-US"/>
+              <a:t>August 22, </a:t>
+            </a:r>
+            <a:r>
+              <a:rPr lang="en-US" dirty="0"/>
+              <a:t>2025</a:t>
             </a:r>
           </a:p>
         </p:txBody>
